--- a/Files/img/work-icon/icons/design.pptx
+++ b/Files/img/work-icon/icons/design.pptx
@@ -5,9 +5,13 @@
     <p:sldMasterId id="2147483648" r:id="rId1"/>
   </p:sldMasterIdLst>
   <p:sldIdLst>
-    <p:sldId id="256" r:id="rId2"/>
-    <p:sldId id="257" r:id="rId3"/>
-    <p:sldId id="258" r:id="rId4"/>
+    <p:sldId id="261" r:id="rId2"/>
+    <p:sldId id="256" r:id="rId3"/>
+    <p:sldId id="257" r:id="rId4"/>
+    <p:sldId id="259" r:id="rId5"/>
+    <p:sldId id="258" r:id="rId6"/>
+    <p:sldId id="262" r:id="rId7"/>
+    <p:sldId id="263" r:id="rId8"/>
   </p:sldIdLst>
   <p:sldSz cx="12192000" cy="6858000"/>
   <p:notesSz cx="6858000" cy="9144000"/>
@@ -245,7 +249,7 @@
           <a:p>
             <a:fld id="{CC428904-F1C2-4D26-8D70-F5FEF6F0A606}" type="datetimeFigureOut">
               <a:rPr lang="en-US" smtClean="0"/>
-              <a:t>2/25/2016</a:t>
+              <a:t>3/24/2016</a:t>
             </a:fld>
             <a:endParaRPr lang="en-US"/>
           </a:p>
@@ -415,7 +419,7 @@
           <a:p>
             <a:fld id="{CC428904-F1C2-4D26-8D70-F5FEF6F0A606}" type="datetimeFigureOut">
               <a:rPr lang="en-US" smtClean="0"/>
-              <a:t>2/25/2016</a:t>
+              <a:t>3/24/2016</a:t>
             </a:fld>
             <a:endParaRPr lang="en-US"/>
           </a:p>
@@ -595,7 +599,7 @@
           <a:p>
             <a:fld id="{CC428904-F1C2-4D26-8D70-F5FEF6F0A606}" type="datetimeFigureOut">
               <a:rPr lang="en-US" smtClean="0"/>
-              <a:t>2/25/2016</a:t>
+              <a:t>3/24/2016</a:t>
             </a:fld>
             <a:endParaRPr lang="en-US"/>
           </a:p>
@@ -765,7 +769,7 @@
           <a:p>
             <a:fld id="{CC428904-F1C2-4D26-8D70-F5FEF6F0A606}" type="datetimeFigureOut">
               <a:rPr lang="en-US" smtClean="0"/>
-              <a:t>2/25/2016</a:t>
+              <a:t>3/24/2016</a:t>
             </a:fld>
             <a:endParaRPr lang="en-US"/>
           </a:p>
@@ -1011,7 +1015,7 @@
           <a:p>
             <a:fld id="{CC428904-F1C2-4D26-8D70-F5FEF6F0A606}" type="datetimeFigureOut">
               <a:rPr lang="en-US" smtClean="0"/>
-              <a:t>2/25/2016</a:t>
+              <a:t>3/24/2016</a:t>
             </a:fld>
             <a:endParaRPr lang="en-US"/>
           </a:p>
@@ -1243,7 +1247,7 @@
           <a:p>
             <a:fld id="{CC428904-F1C2-4D26-8D70-F5FEF6F0A606}" type="datetimeFigureOut">
               <a:rPr lang="en-US" smtClean="0"/>
-              <a:t>2/25/2016</a:t>
+              <a:t>3/24/2016</a:t>
             </a:fld>
             <a:endParaRPr lang="en-US"/>
           </a:p>
@@ -1610,7 +1614,7 @@
           <a:p>
             <a:fld id="{CC428904-F1C2-4D26-8D70-F5FEF6F0A606}" type="datetimeFigureOut">
               <a:rPr lang="en-US" smtClean="0"/>
-              <a:t>2/25/2016</a:t>
+              <a:t>3/24/2016</a:t>
             </a:fld>
             <a:endParaRPr lang="en-US"/>
           </a:p>
@@ -1728,7 +1732,7 @@
           <a:p>
             <a:fld id="{CC428904-F1C2-4D26-8D70-F5FEF6F0A606}" type="datetimeFigureOut">
               <a:rPr lang="en-US" smtClean="0"/>
-              <a:t>2/25/2016</a:t>
+              <a:t>3/24/2016</a:t>
             </a:fld>
             <a:endParaRPr lang="en-US"/>
           </a:p>
@@ -1823,7 +1827,7 @@
           <a:p>
             <a:fld id="{CC428904-F1C2-4D26-8D70-F5FEF6F0A606}" type="datetimeFigureOut">
               <a:rPr lang="en-US" smtClean="0"/>
-              <a:t>2/25/2016</a:t>
+              <a:t>3/24/2016</a:t>
             </a:fld>
             <a:endParaRPr lang="en-US"/>
           </a:p>
@@ -2100,7 +2104,7 @@
           <a:p>
             <a:fld id="{CC428904-F1C2-4D26-8D70-F5FEF6F0A606}" type="datetimeFigureOut">
               <a:rPr lang="en-US" smtClean="0"/>
-              <a:t>2/25/2016</a:t>
+              <a:t>3/24/2016</a:t>
             </a:fld>
             <a:endParaRPr lang="en-US"/>
           </a:p>
@@ -2353,7 +2357,7 @@
           <a:p>
             <a:fld id="{CC428904-F1C2-4D26-8D70-F5FEF6F0A606}" type="datetimeFigureOut">
               <a:rPr lang="en-US" smtClean="0"/>
-              <a:t>2/25/2016</a:t>
+              <a:t>3/24/2016</a:t>
             </a:fld>
             <a:endParaRPr lang="en-US"/>
           </a:p>
@@ -2566,7 +2570,7 @@
           <a:p>
             <a:fld id="{CC428904-F1C2-4D26-8D70-F5FEF6F0A606}" type="datetimeFigureOut">
               <a:rPr lang="en-US" smtClean="0"/>
-              <a:t>2/25/2016</a:t>
+              <a:t>3/24/2016</a:t>
             </a:fld>
             <a:endParaRPr lang="en-US"/>
           </a:p>
@@ -2955,6 +2959,327 @@
 </file>
 
 <file path=ppt/slides/slide1.xml><?xml version="1.0" encoding="utf-8"?>
+<p:sld xmlns:a="http://schemas.openxmlformats.org/drawingml/2006/main" xmlns:r="http://schemas.openxmlformats.org/officeDocument/2006/relationships" xmlns:p="http://schemas.openxmlformats.org/presentationml/2006/main">
+  <p:cSld>
+    <p:spTree>
+      <p:nvGrpSpPr>
+        <p:cNvPr id="1" name=""/>
+        <p:cNvGrpSpPr/>
+        <p:nvPr/>
+      </p:nvGrpSpPr>
+      <p:grpSpPr>
+        <a:xfrm>
+          <a:off x="0" y="0"/>
+          <a:ext cx="0" cy="0"/>
+          <a:chOff x="0" y="0"/>
+          <a:chExt cx="0" cy="0"/>
+        </a:xfrm>
+      </p:grpSpPr>
+      <p:grpSp>
+        <p:nvGrpSpPr>
+          <p:cNvPr id="12" name="Group 11"/>
+          <p:cNvGrpSpPr/>
+          <p:nvPr/>
+        </p:nvGrpSpPr>
+        <p:grpSpPr>
+          <a:xfrm>
+            <a:off x="-2" y="0"/>
+            <a:ext cx="3632202" cy="4104941"/>
+            <a:chOff x="-2" y="0"/>
+            <a:chExt cx="3632202" cy="4104941"/>
+          </a:xfrm>
+        </p:grpSpPr>
+        <p:grpSp>
+          <p:nvGrpSpPr>
+            <p:cNvPr id="3" name="Group 2"/>
+            <p:cNvGrpSpPr/>
+            <p:nvPr/>
+          </p:nvGrpSpPr>
+          <p:grpSpPr>
+            <a:xfrm>
+              <a:off x="-2" y="0"/>
+              <a:ext cx="3632202" cy="3632201"/>
+              <a:chOff x="-2" y="0"/>
+              <a:chExt cx="6400802" cy="6400800"/>
+            </a:xfrm>
+          </p:grpSpPr>
+          <p:sp>
+            <p:nvSpPr>
+              <p:cNvPr id="2" name="Diagonal Stripe 1"/>
+              <p:cNvSpPr/>
+              <p:nvPr/>
+            </p:nvSpPr>
+            <p:spPr>
+              <a:xfrm rot="10800000">
+                <a:off x="0" y="0"/>
+                <a:ext cx="3200400" cy="3200400"/>
+              </a:xfrm>
+              <a:prstGeom prst="diagStripe">
+                <a:avLst>
+                  <a:gd name="adj" fmla="val 57576"/>
+                </a:avLst>
+              </a:prstGeom>
+              <a:solidFill>
+                <a:schemeClr val="tx1"/>
+              </a:solidFill>
+              <a:ln>
+                <a:noFill/>
+              </a:ln>
+            </p:spPr>
+            <p:style>
+              <a:lnRef idx="2">
+                <a:schemeClr val="accent1">
+                  <a:shade val="50000"/>
+                </a:schemeClr>
+              </a:lnRef>
+              <a:fillRef idx="1">
+                <a:schemeClr val="accent1"/>
+              </a:fillRef>
+              <a:effectRef idx="0">
+                <a:schemeClr val="accent1"/>
+              </a:effectRef>
+              <a:fontRef idx="minor">
+                <a:schemeClr val="lt1"/>
+              </a:fontRef>
+            </p:style>
+            <p:txBody>
+              <a:bodyPr rtlCol="0" anchor="ctr"/>
+              <a:lstStyle/>
+              <a:p>
+                <a:pPr algn="ctr"/>
+                <a:endParaRPr lang="en-US">
+                  <a:solidFill>
+                    <a:schemeClr val="tx1"/>
+                  </a:solidFill>
+                </a:endParaRPr>
+              </a:p>
+            </p:txBody>
+          </p:sp>
+          <p:sp>
+            <p:nvSpPr>
+              <p:cNvPr id="7" name="Diagonal Stripe 6"/>
+              <p:cNvSpPr/>
+              <p:nvPr/>
+            </p:nvSpPr>
+            <p:spPr>
+              <a:xfrm rot="16200000">
+                <a:off x="3200400" y="0"/>
+                <a:ext cx="3200400" cy="3200400"/>
+              </a:xfrm>
+              <a:prstGeom prst="diagStripe">
+                <a:avLst>
+                  <a:gd name="adj" fmla="val 57576"/>
+                </a:avLst>
+              </a:prstGeom>
+              <a:solidFill>
+                <a:schemeClr val="tx1"/>
+              </a:solidFill>
+              <a:ln>
+                <a:noFill/>
+              </a:ln>
+            </p:spPr>
+            <p:style>
+              <a:lnRef idx="2">
+                <a:schemeClr val="accent1">
+                  <a:shade val="50000"/>
+                </a:schemeClr>
+              </a:lnRef>
+              <a:fillRef idx="1">
+                <a:schemeClr val="accent1"/>
+              </a:fillRef>
+              <a:effectRef idx="0">
+                <a:schemeClr val="accent1"/>
+              </a:effectRef>
+              <a:fontRef idx="minor">
+                <a:schemeClr val="lt1"/>
+              </a:fontRef>
+            </p:style>
+            <p:txBody>
+              <a:bodyPr rtlCol="0" anchor="ctr"/>
+              <a:lstStyle/>
+              <a:p>
+                <a:pPr algn="ctr"/>
+                <a:endParaRPr lang="en-US">
+                  <a:solidFill>
+                    <a:schemeClr val="tx1"/>
+                  </a:solidFill>
+                </a:endParaRPr>
+              </a:p>
+            </p:txBody>
+          </p:sp>
+          <p:sp>
+            <p:nvSpPr>
+              <p:cNvPr id="8" name="Diagonal Stripe 7"/>
+              <p:cNvSpPr/>
+              <p:nvPr/>
+            </p:nvSpPr>
+            <p:spPr>
+              <a:xfrm rot="5400000">
+                <a:off x="-2" y="3200400"/>
+                <a:ext cx="3200400" cy="3200400"/>
+              </a:xfrm>
+              <a:prstGeom prst="diagStripe">
+                <a:avLst>
+                  <a:gd name="adj" fmla="val 57576"/>
+                </a:avLst>
+              </a:prstGeom>
+              <a:solidFill>
+                <a:schemeClr val="tx1"/>
+              </a:solidFill>
+              <a:ln>
+                <a:noFill/>
+              </a:ln>
+            </p:spPr>
+            <p:style>
+              <a:lnRef idx="2">
+                <a:schemeClr val="accent1">
+                  <a:shade val="50000"/>
+                </a:schemeClr>
+              </a:lnRef>
+              <a:fillRef idx="1">
+                <a:schemeClr val="accent1"/>
+              </a:fillRef>
+              <a:effectRef idx="0">
+                <a:schemeClr val="accent1"/>
+              </a:effectRef>
+              <a:fontRef idx="minor">
+                <a:schemeClr val="lt1"/>
+              </a:fontRef>
+            </p:style>
+            <p:txBody>
+              <a:bodyPr rtlCol="0" anchor="ctr"/>
+              <a:lstStyle/>
+              <a:p>
+                <a:pPr algn="ctr"/>
+                <a:endParaRPr lang="en-US">
+                  <a:solidFill>
+                    <a:schemeClr val="tx1"/>
+                  </a:solidFill>
+                </a:endParaRPr>
+              </a:p>
+            </p:txBody>
+          </p:sp>
+          <p:sp>
+            <p:nvSpPr>
+              <p:cNvPr id="9" name="Diagonal Stripe 8"/>
+              <p:cNvSpPr/>
+              <p:nvPr/>
+            </p:nvSpPr>
+            <p:spPr>
+              <a:xfrm>
+                <a:off x="3200400" y="3200400"/>
+                <a:ext cx="3200400" cy="3200400"/>
+              </a:xfrm>
+              <a:prstGeom prst="diagStripe">
+                <a:avLst>
+                  <a:gd name="adj" fmla="val 57576"/>
+                </a:avLst>
+              </a:prstGeom>
+              <a:solidFill>
+                <a:schemeClr val="tx1"/>
+              </a:solidFill>
+              <a:ln>
+                <a:noFill/>
+              </a:ln>
+            </p:spPr>
+            <p:style>
+              <a:lnRef idx="2">
+                <a:schemeClr val="accent1">
+                  <a:shade val="50000"/>
+                </a:schemeClr>
+              </a:lnRef>
+              <a:fillRef idx="1">
+                <a:schemeClr val="accent1"/>
+              </a:fillRef>
+              <a:effectRef idx="0">
+                <a:schemeClr val="accent1"/>
+              </a:effectRef>
+              <a:fontRef idx="minor">
+                <a:schemeClr val="lt1"/>
+              </a:fontRef>
+            </p:style>
+            <p:txBody>
+              <a:bodyPr rtlCol="0" anchor="ctr"/>
+              <a:lstStyle/>
+              <a:p>
+                <a:pPr algn="ctr"/>
+                <a:endParaRPr lang="en-US">
+                  <a:solidFill>
+                    <a:schemeClr val="tx1"/>
+                  </a:solidFill>
+                </a:endParaRPr>
+              </a:p>
+            </p:txBody>
+          </p:sp>
+        </p:grpSp>
+        <p:sp>
+          <p:nvSpPr>
+            <p:cNvPr id="10" name="Rectangle 9"/>
+            <p:cNvSpPr/>
+            <p:nvPr/>
+          </p:nvSpPr>
+          <p:spPr>
+            <a:xfrm rot="2700000">
+              <a:off x="1301271" y="3078710"/>
+              <a:ext cx="1025568" cy="1026893"/>
+            </a:xfrm>
+            <a:prstGeom prst="rect">
+              <a:avLst/>
+            </a:prstGeom>
+            <a:solidFill>
+              <a:schemeClr val="tx1"/>
+            </a:solidFill>
+            <a:ln>
+              <a:noFill/>
+            </a:ln>
+          </p:spPr>
+          <p:style>
+            <a:lnRef idx="2">
+              <a:schemeClr val="accent1">
+                <a:shade val="50000"/>
+              </a:schemeClr>
+            </a:lnRef>
+            <a:fillRef idx="1">
+              <a:schemeClr val="accent1"/>
+            </a:fillRef>
+            <a:effectRef idx="0">
+              <a:schemeClr val="accent1"/>
+            </a:effectRef>
+            <a:fontRef idx="minor">
+              <a:schemeClr val="lt1"/>
+            </a:fontRef>
+          </p:style>
+          <p:txBody>
+            <a:bodyPr rtlCol="0" anchor="ctr"/>
+            <a:lstStyle/>
+            <a:p>
+              <a:pPr algn="ctr"/>
+              <a:endParaRPr lang="en-US"/>
+            </a:p>
+          </p:txBody>
+        </p:sp>
+      </p:grpSp>
+    </p:spTree>
+    <p:extLst>
+      <p:ext uri="{BB962C8B-B14F-4D97-AF65-F5344CB8AC3E}">
+        <p14:creationId xmlns:p14="http://schemas.microsoft.com/office/powerpoint/2010/main" val="3138474974"/>
+      </p:ext>
+    </p:extLst>
+  </p:cSld>
+  <p:clrMapOvr>
+    <a:masterClrMapping/>
+  </p:clrMapOvr>
+  <p:timing>
+    <p:tnLst>
+      <p:par>
+        <p:cTn id="1" dur="indefinite" restart="never" nodeType="tmRoot"/>
+      </p:par>
+    </p:tnLst>
+  </p:timing>
+</p:sld>
+</file>
+
+<file path=ppt/slides/slide2.xml><?xml version="1.0" encoding="utf-8"?>
 <p:sld xmlns:a="http://schemas.openxmlformats.org/drawingml/2006/main" xmlns:r="http://schemas.openxmlformats.org/officeDocument/2006/relationships" xmlns:p="http://schemas.openxmlformats.org/presentationml/2006/main">
   <p:cSld>
     <p:spTree>
@@ -3320,10 +3645,17 @@
   <p:clrMapOvr>
     <a:masterClrMapping/>
   </p:clrMapOvr>
+  <p:timing>
+    <p:tnLst>
+      <p:par>
+        <p:cTn id="1" dur="indefinite" restart="never" nodeType="tmRoot"/>
+      </p:par>
+    </p:tnLst>
+  </p:timing>
 </p:sld>
 </file>
 
-<file path=ppt/slides/slide2.xml><?xml version="1.0" encoding="utf-8"?>
+<file path=ppt/slides/slide3.xml><?xml version="1.0" encoding="utf-8"?>
 <p:sld xmlns:a="http://schemas.openxmlformats.org/drawingml/2006/main" xmlns:r="http://schemas.openxmlformats.org/officeDocument/2006/relationships" xmlns:p="http://schemas.openxmlformats.org/presentationml/2006/main">
   <p:cSld>
     <p:spTree>
@@ -3649,10 +3981,17 @@
   <p:clrMapOvr>
     <a:masterClrMapping/>
   </p:clrMapOvr>
+  <p:timing>
+    <p:tnLst>
+      <p:par>
+        <p:cTn id="1" dur="indefinite" restart="never" nodeType="tmRoot"/>
+      </p:par>
+    </p:tnLst>
+  </p:timing>
 </p:sld>
 </file>
 
-<file path=ppt/slides/slide3.xml><?xml version="1.0" encoding="utf-8"?>
+<file path=ppt/slides/slide4.xml><?xml version="1.0" encoding="utf-8"?>
 <p:sld xmlns:a="http://schemas.openxmlformats.org/drawingml/2006/main" xmlns:r="http://schemas.openxmlformats.org/officeDocument/2006/relationships" xmlns:p="http://schemas.openxmlformats.org/presentationml/2006/main">
   <p:cSld>
     <p:spTree>
@@ -3715,6 +4054,467 @@
           </a:p>
         </p:txBody>
       </p:sp>
+      <p:sp>
+        <p:nvSpPr>
+          <p:cNvPr id="12" name="Half Frame 11"/>
+          <p:cNvSpPr/>
+          <p:nvPr/>
+        </p:nvSpPr>
+        <p:spPr>
+          <a:xfrm rot="18872999">
+            <a:off x="663497" y="1684421"/>
+            <a:ext cx="1203158" cy="1203158"/>
+          </a:xfrm>
+          <a:prstGeom prst="halfFrame">
+            <a:avLst/>
+          </a:prstGeom>
+          <a:solidFill>
+            <a:schemeClr val="bg1"/>
+          </a:solidFill>
+          <a:ln>
+            <a:noFill/>
+          </a:ln>
+        </p:spPr>
+        <p:style>
+          <a:lnRef idx="2">
+            <a:schemeClr val="accent1">
+              <a:shade val="50000"/>
+            </a:schemeClr>
+          </a:lnRef>
+          <a:fillRef idx="1">
+            <a:schemeClr val="accent1"/>
+          </a:fillRef>
+          <a:effectRef idx="0">
+            <a:schemeClr val="accent1"/>
+          </a:effectRef>
+          <a:fontRef idx="minor">
+            <a:schemeClr val="lt1"/>
+          </a:fontRef>
+        </p:style>
+        <p:txBody>
+          <a:bodyPr rtlCol="0" anchor="ctr"/>
+          <a:lstStyle/>
+          <a:p>
+            <a:pPr algn="ctr"/>
+            <a:endParaRPr lang="en-US">
+              <a:solidFill>
+                <a:schemeClr val="tx1"/>
+              </a:solidFill>
+            </a:endParaRPr>
+          </a:p>
+        </p:txBody>
+      </p:sp>
+      <p:sp>
+        <p:nvSpPr>
+          <p:cNvPr id="13" name="Half Frame 12"/>
+          <p:cNvSpPr/>
+          <p:nvPr/>
+        </p:nvSpPr>
+        <p:spPr>
+          <a:xfrm rot="8138222">
+            <a:off x="2705344" y="1684448"/>
+            <a:ext cx="1203158" cy="1203158"/>
+          </a:xfrm>
+          <a:prstGeom prst="halfFrame">
+            <a:avLst/>
+          </a:prstGeom>
+          <a:solidFill>
+            <a:schemeClr val="bg1"/>
+          </a:solidFill>
+          <a:ln>
+            <a:noFill/>
+          </a:ln>
+        </p:spPr>
+        <p:style>
+          <a:lnRef idx="2">
+            <a:schemeClr val="accent1">
+              <a:shade val="50000"/>
+            </a:schemeClr>
+          </a:lnRef>
+          <a:fillRef idx="1">
+            <a:schemeClr val="accent1"/>
+          </a:fillRef>
+          <a:effectRef idx="0">
+            <a:schemeClr val="accent1"/>
+          </a:effectRef>
+          <a:fontRef idx="minor">
+            <a:schemeClr val="lt1"/>
+          </a:fontRef>
+        </p:style>
+        <p:txBody>
+          <a:bodyPr rtlCol="0" anchor="ctr"/>
+          <a:lstStyle/>
+          <a:p>
+            <a:pPr algn="ctr"/>
+            <a:endParaRPr lang="en-US">
+              <a:solidFill>
+                <a:schemeClr val="tx1"/>
+              </a:solidFill>
+            </a:endParaRPr>
+          </a:p>
+        </p:txBody>
+      </p:sp>
+      <p:sp>
+        <p:nvSpPr>
+          <p:cNvPr id="14" name="Parallelogram 13"/>
+          <p:cNvSpPr/>
+          <p:nvPr/>
+        </p:nvSpPr>
+        <p:spPr>
+          <a:xfrm>
+            <a:off x="1467865" y="1102092"/>
+            <a:ext cx="1636295" cy="2367815"/>
+          </a:xfrm>
+          <a:prstGeom prst="parallelogram">
+            <a:avLst>
+              <a:gd name="adj" fmla="val 70022"/>
+            </a:avLst>
+          </a:prstGeom>
+          <a:solidFill>
+            <a:schemeClr val="bg1"/>
+          </a:solidFill>
+          <a:ln>
+            <a:noFill/>
+          </a:ln>
+        </p:spPr>
+        <p:style>
+          <a:lnRef idx="2">
+            <a:schemeClr val="accent1">
+              <a:shade val="50000"/>
+            </a:schemeClr>
+          </a:lnRef>
+          <a:fillRef idx="1">
+            <a:schemeClr val="accent1"/>
+          </a:fillRef>
+          <a:effectRef idx="0">
+            <a:schemeClr val="accent1"/>
+          </a:effectRef>
+          <a:fontRef idx="minor">
+            <a:schemeClr val="lt1"/>
+          </a:fontRef>
+        </p:style>
+        <p:txBody>
+          <a:bodyPr rtlCol="0" anchor="ctr"/>
+          <a:lstStyle/>
+          <a:p>
+            <a:pPr algn="ctr"/>
+            <a:endParaRPr lang="en-US"/>
+          </a:p>
+        </p:txBody>
+      </p:sp>
+    </p:spTree>
+    <p:extLst>
+      <p:ext uri="{BB962C8B-B14F-4D97-AF65-F5344CB8AC3E}">
+        <p14:creationId xmlns:p14="http://schemas.microsoft.com/office/powerpoint/2010/main" val="3926861122"/>
+      </p:ext>
+    </p:extLst>
+  </p:cSld>
+  <p:clrMapOvr>
+    <a:masterClrMapping/>
+  </p:clrMapOvr>
+  <p:timing>
+    <p:tnLst>
+      <p:par>
+        <p:cTn id="1" dur="indefinite" restart="never" nodeType="tmRoot"/>
+      </p:par>
+    </p:tnLst>
+  </p:timing>
+</p:sld>
+</file>
+
+<file path=ppt/slides/slide5.xml><?xml version="1.0" encoding="utf-8"?>
+<p:sld xmlns:a="http://schemas.openxmlformats.org/drawingml/2006/main" xmlns:r="http://schemas.openxmlformats.org/officeDocument/2006/relationships" xmlns:p="http://schemas.openxmlformats.org/presentationml/2006/main">
+  <p:cSld>
+    <p:spTree>
+      <p:nvGrpSpPr>
+        <p:cNvPr id="1" name=""/>
+        <p:cNvGrpSpPr/>
+        <p:nvPr/>
+      </p:nvGrpSpPr>
+      <p:grpSpPr>
+        <a:xfrm>
+          <a:off x="0" y="0"/>
+          <a:ext cx="0" cy="0"/>
+          <a:chOff x="0" y="0"/>
+          <a:chExt cx="0" cy="0"/>
+        </a:xfrm>
+      </p:grpSpPr>
+      <p:sp>
+        <p:nvSpPr>
+          <p:cNvPr id="4" name="Oval 3"/>
+          <p:cNvSpPr/>
+          <p:nvPr/>
+        </p:nvSpPr>
+        <p:spPr>
+          <a:xfrm>
+            <a:off x="0" y="0"/>
+            <a:ext cx="4572000" cy="4572000"/>
+          </a:xfrm>
+          <a:prstGeom prst="ellipse">
+            <a:avLst/>
+          </a:prstGeom>
+          <a:solidFill>
+            <a:srgbClr val="000064"/>
+          </a:solidFill>
+          <a:ln>
+            <a:noFill/>
+          </a:ln>
+        </p:spPr>
+        <p:style>
+          <a:lnRef idx="2">
+            <a:schemeClr val="accent1">
+              <a:shade val="50000"/>
+            </a:schemeClr>
+          </a:lnRef>
+          <a:fillRef idx="1">
+            <a:schemeClr val="accent1"/>
+          </a:fillRef>
+          <a:effectRef idx="0">
+            <a:schemeClr val="accent1"/>
+          </a:effectRef>
+          <a:fontRef idx="minor">
+            <a:schemeClr val="lt1"/>
+          </a:fontRef>
+        </p:style>
+        <p:txBody>
+          <a:bodyPr rtlCol="0" anchor="ctr"/>
+          <a:lstStyle/>
+          <a:p>
+            <a:pPr algn="ctr"/>
+            <a:endParaRPr lang="en-US"/>
+          </a:p>
+        </p:txBody>
+      </p:sp>
+      <p:sp>
+        <p:nvSpPr>
+          <p:cNvPr id="3" name="Rectangle 2"/>
+          <p:cNvSpPr/>
+          <p:nvPr/>
+        </p:nvSpPr>
+        <p:spPr>
+          <a:xfrm>
+            <a:off x="1874520" y="661016"/>
+            <a:ext cx="822960" cy="822960"/>
+          </a:xfrm>
+          <a:prstGeom prst="rect">
+            <a:avLst/>
+          </a:prstGeom>
+          <a:solidFill>
+            <a:schemeClr val="bg1"/>
+          </a:solidFill>
+          <a:ln>
+            <a:noFill/>
+          </a:ln>
+        </p:spPr>
+        <p:style>
+          <a:lnRef idx="2">
+            <a:schemeClr val="accent1">
+              <a:shade val="50000"/>
+            </a:schemeClr>
+          </a:lnRef>
+          <a:fillRef idx="1">
+            <a:schemeClr val="accent1"/>
+          </a:fillRef>
+          <a:effectRef idx="0">
+            <a:schemeClr val="accent1"/>
+          </a:effectRef>
+          <a:fontRef idx="minor">
+            <a:schemeClr val="lt1"/>
+          </a:fontRef>
+        </p:style>
+        <p:txBody>
+          <a:bodyPr rtlCol="0" anchor="ctr"/>
+          <a:lstStyle/>
+          <a:p>
+            <a:pPr algn="ctr"/>
+            <a:endParaRPr lang="en-US"/>
+          </a:p>
+        </p:txBody>
+      </p:sp>
+      <p:sp>
+        <p:nvSpPr>
+          <p:cNvPr id="12" name="Rectangle 11"/>
+          <p:cNvSpPr/>
+          <p:nvPr/>
+        </p:nvSpPr>
+        <p:spPr>
+          <a:xfrm>
+            <a:off x="1600200" y="1770611"/>
+            <a:ext cx="1371600" cy="2518756"/>
+          </a:xfrm>
+          <a:prstGeom prst="rect">
+            <a:avLst/>
+          </a:prstGeom>
+          <a:solidFill>
+            <a:schemeClr val="bg1"/>
+          </a:solidFill>
+          <a:ln>
+            <a:noFill/>
+          </a:ln>
+        </p:spPr>
+        <p:style>
+          <a:lnRef idx="2">
+            <a:schemeClr val="accent1">
+              <a:shade val="50000"/>
+            </a:schemeClr>
+          </a:lnRef>
+          <a:fillRef idx="1">
+            <a:schemeClr val="accent1"/>
+          </a:fillRef>
+          <a:effectRef idx="0">
+            <a:schemeClr val="accent1"/>
+          </a:effectRef>
+          <a:fontRef idx="minor">
+            <a:schemeClr val="lt1"/>
+          </a:fontRef>
+        </p:style>
+        <p:txBody>
+          <a:bodyPr rtlCol="0" anchor="ctr"/>
+          <a:lstStyle/>
+          <a:p>
+            <a:pPr algn="ctr"/>
+            <a:endParaRPr lang="en-US"/>
+          </a:p>
+        </p:txBody>
+      </p:sp>
+      <p:sp>
+        <p:nvSpPr>
+          <p:cNvPr id="13" name="Rectangle 12"/>
+          <p:cNvSpPr/>
+          <p:nvPr/>
+        </p:nvSpPr>
+        <p:spPr>
+          <a:xfrm>
+            <a:off x="914400" y="1770611"/>
+            <a:ext cx="2743200" cy="457200"/>
+          </a:xfrm>
+          <a:prstGeom prst="rect">
+            <a:avLst/>
+          </a:prstGeom>
+          <a:solidFill>
+            <a:schemeClr val="bg1"/>
+          </a:solidFill>
+          <a:ln>
+            <a:noFill/>
+          </a:ln>
+        </p:spPr>
+        <p:style>
+          <a:lnRef idx="2">
+            <a:schemeClr val="accent1">
+              <a:shade val="50000"/>
+            </a:schemeClr>
+          </a:lnRef>
+          <a:fillRef idx="1">
+            <a:schemeClr val="accent1"/>
+          </a:fillRef>
+          <a:effectRef idx="0">
+            <a:schemeClr val="accent1"/>
+          </a:effectRef>
+          <a:fontRef idx="minor">
+            <a:schemeClr val="lt1"/>
+          </a:fontRef>
+        </p:style>
+        <p:txBody>
+          <a:bodyPr rtlCol="0" anchor="ctr"/>
+          <a:lstStyle/>
+          <a:p>
+            <a:pPr algn="ctr"/>
+            <a:endParaRPr lang="en-US"/>
+          </a:p>
+        </p:txBody>
+      </p:sp>
+      <p:sp>
+        <p:nvSpPr>
+          <p:cNvPr id="14" name="Rectangle 13"/>
+          <p:cNvSpPr/>
+          <p:nvPr/>
+        </p:nvSpPr>
+        <p:spPr>
+          <a:xfrm>
+            <a:off x="914400" y="2113588"/>
+            <a:ext cx="423949" cy="1477510"/>
+          </a:xfrm>
+          <a:prstGeom prst="rect">
+            <a:avLst/>
+          </a:prstGeom>
+          <a:solidFill>
+            <a:schemeClr val="bg1"/>
+          </a:solidFill>
+          <a:ln>
+            <a:noFill/>
+          </a:ln>
+        </p:spPr>
+        <p:style>
+          <a:lnRef idx="2">
+            <a:schemeClr val="accent1">
+              <a:shade val="50000"/>
+            </a:schemeClr>
+          </a:lnRef>
+          <a:fillRef idx="1">
+            <a:schemeClr val="accent1"/>
+          </a:fillRef>
+          <a:effectRef idx="0">
+            <a:schemeClr val="accent1"/>
+          </a:effectRef>
+          <a:fontRef idx="minor">
+            <a:schemeClr val="lt1"/>
+          </a:fontRef>
+        </p:style>
+        <p:txBody>
+          <a:bodyPr rtlCol="0" anchor="ctr"/>
+          <a:lstStyle/>
+          <a:p>
+            <a:pPr algn="ctr"/>
+            <a:endParaRPr lang="en-US"/>
+          </a:p>
+        </p:txBody>
+      </p:sp>
+      <p:sp>
+        <p:nvSpPr>
+          <p:cNvPr id="15" name="Rectangle 14"/>
+          <p:cNvSpPr/>
+          <p:nvPr/>
+        </p:nvSpPr>
+        <p:spPr>
+          <a:xfrm>
+            <a:off x="3233651" y="2113588"/>
+            <a:ext cx="423949" cy="1477510"/>
+          </a:xfrm>
+          <a:prstGeom prst="rect">
+            <a:avLst/>
+          </a:prstGeom>
+          <a:solidFill>
+            <a:schemeClr val="bg1"/>
+          </a:solidFill>
+          <a:ln>
+            <a:noFill/>
+          </a:ln>
+        </p:spPr>
+        <p:style>
+          <a:lnRef idx="2">
+            <a:schemeClr val="accent1">
+              <a:shade val="50000"/>
+            </a:schemeClr>
+          </a:lnRef>
+          <a:fillRef idx="1">
+            <a:schemeClr val="accent1"/>
+          </a:fillRef>
+          <a:effectRef idx="0">
+            <a:schemeClr val="accent1"/>
+          </a:effectRef>
+          <a:fontRef idx="minor">
+            <a:schemeClr val="lt1"/>
+          </a:fontRef>
+        </p:style>
+        <p:txBody>
+          <a:bodyPr rtlCol="0" anchor="ctr"/>
+          <a:lstStyle/>
+          <a:p>
+            <a:pPr algn="ctr"/>
+            <a:endParaRPr lang="en-US"/>
+          </a:p>
+        </p:txBody>
+      </p:sp>
     </p:spTree>
     <p:extLst>
       <p:ext uri="{BB962C8B-B14F-4D97-AF65-F5344CB8AC3E}">
@@ -3725,6 +4525,301 @@
   <p:clrMapOvr>
     <a:masterClrMapping/>
   </p:clrMapOvr>
+  <p:timing>
+    <p:tnLst>
+      <p:par>
+        <p:cTn id="1" dur="indefinite" restart="never" nodeType="tmRoot"/>
+      </p:par>
+    </p:tnLst>
+  </p:timing>
+</p:sld>
+</file>
+
+<file path=ppt/slides/slide6.xml><?xml version="1.0" encoding="utf-8"?>
+<p:sld xmlns:a="http://schemas.openxmlformats.org/drawingml/2006/main" xmlns:r="http://schemas.openxmlformats.org/officeDocument/2006/relationships" xmlns:p="http://schemas.openxmlformats.org/presentationml/2006/main">
+  <p:cSld>
+    <p:spTree>
+      <p:nvGrpSpPr>
+        <p:cNvPr id="1" name=""/>
+        <p:cNvGrpSpPr/>
+        <p:nvPr/>
+      </p:nvGrpSpPr>
+      <p:grpSpPr>
+        <a:xfrm>
+          <a:off x="0" y="0"/>
+          <a:ext cx="0" cy="0"/>
+          <a:chOff x="0" y="0"/>
+          <a:chExt cx="0" cy="0"/>
+        </a:xfrm>
+      </p:grpSpPr>
+      <p:sp>
+        <p:nvSpPr>
+          <p:cNvPr id="4" name="Oval 3"/>
+          <p:cNvSpPr/>
+          <p:nvPr/>
+        </p:nvSpPr>
+        <p:spPr>
+          <a:xfrm>
+            <a:off x="0" y="0"/>
+            <a:ext cx="4572000" cy="4572000"/>
+          </a:xfrm>
+          <a:prstGeom prst="ellipse">
+            <a:avLst/>
+          </a:prstGeom>
+          <a:solidFill>
+            <a:srgbClr val="000064"/>
+          </a:solidFill>
+          <a:ln>
+            <a:noFill/>
+          </a:ln>
+        </p:spPr>
+        <p:style>
+          <a:lnRef idx="2">
+            <a:schemeClr val="accent1">
+              <a:shade val="50000"/>
+            </a:schemeClr>
+          </a:lnRef>
+          <a:fillRef idx="1">
+            <a:schemeClr val="accent1"/>
+          </a:fillRef>
+          <a:effectRef idx="0">
+            <a:schemeClr val="accent1"/>
+          </a:effectRef>
+          <a:fontRef idx="minor">
+            <a:schemeClr val="lt1"/>
+          </a:fontRef>
+        </p:style>
+        <p:txBody>
+          <a:bodyPr rtlCol="0" anchor="ctr"/>
+          <a:lstStyle/>
+          <a:p>
+            <a:pPr algn="ctr"/>
+            <a:endParaRPr lang="en-US"/>
+          </a:p>
+        </p:txBody>
+      </p:sp>
+      <p:grpSp>
+        <p:nvGrpSpPr>
+          <p:cNvPr id="8" name="Group 7"/>
+          <p:cNvGrpSpPr/>
+          <p:nvPr/>
+        </p:nvGrpSpPr>
+        <p:grpSpPr>
+          <a:xfrm>
+            <a:off x="1382360" y="1230185"/>
+            <a:ext cx="1807279" cy="1556558"/>
+            <a:chOff x="1529542" y="2394065"/>
+            <a:chExt cx="1438102" cy="1238596"/>
+          </a:xfrm>
+          <a:effectLst>
+            <a:reflection stA="75000" endPos="55000" dir="5400000" sy="-100000" algn="bl" rotWithShape="0"/>
+          </a:effectLst>
+        </p:grpSpPr>
+        <p:sp>
+          <p:nvSpPr>
+            <p:cNvPr id="9" name="Rectangle 8"/>
+            <p:cNvSpPr/>
+            <p:nvPr/>
+          </p:nvSpPr>
+          <p:spPr>
+            <a:xfrm>
+              <a:off x="2211186" y="2394065"/>
+              <a:ext cx="756458" cy="1238596"/>
+            </a:xfrm>
+            <a:prstGeom prst="rect">
+              <a:avLst/>
+            </a:prstGeom>
+            <a:solidFill>
+              <a:schemeClr val="bg1"/>
+            </a:solidFill>
+            <a:ln w="38100">
+              <a:solidFill>
+                <a:srgbClr val="000064"/>
+              </a:solidFill>
+            </a:ln>
+            <a:scene3d>
+              <a:camera prst="isometricOffAxis1Right"/>
+              <a:lightRig rig="threePt" dir="t"/>
+            </a:scene3d>
+          </p:spPr>
+          <p:style>
+            <a:lnRef idx="2">
+              <a:schemeClr val="accent1">
+                <a:shade val="50000"/>
+              </a:schemeClr>
+            </a:lnRef>
+            <a:fillRef idx="1">
+              <a:schemeClr val="accent1"/>
+            </a:fillRef>
+            <a:effectRef idx="0">
+              <a:schemeClr val="accent1"/>
+            </a:effectRef>
+            <a:fontRef idx="minor">
+              <a:schemeClr val="lt1"/>
+            </a:fontRef>
+          </p:style>
+          <p:txBody>
+            <a:bodyPr rtlCol="0" anchor="ctr"/>
+            <a:lstStyle/>
+            <a:p>
+              <a:pPr algn="ctr"/>
+              <a:endParaRPr lang="en-US"/>
+            </a:p>
+          </p:txBody>
+        </p:sp>
+        <p:sp>
+          <p:nvSpPr>
+            <p:cNvPr id="10" name="Rectangle 9"/>
+            <p:cNvSpPr/>
+            <p:nvPr/>
+          </p:nvSpPr>
+          <p:spPr>
+            <a:xfrm>
+              <a:off x="1529542" y="2394065"/>
+              <a:ext cx="756458" cy="1238596"/>
+            </a:xfrm>
+            <a:prstGeom prst="rect">
+              <a:avLst/>
+            </a:prstGeom>
+            <a:solidFill>
+              <a:schemeClr val="bg1"/>
+            </a:solidFill>
+            <a:ln w="38100">
+              <a:solidFill>
+                <a:srgbClr val="000064"/>
+              </a:solidFill>
+            </a:ln>
+            <a:scene3d>
+              <a:camera prst="isometricOffAxis2Left"/>
+              <a:lightRig rig="threePt" dir="t"/>
+            </a:scene3d>
+          </p:spPr>
+          <p:style>
+            <a:lnRef idx="2">
+              <a:schemeClr val="accent1">
+                <a:shade val="50000"/>
+              </a:schemeClr>
+            </a:lnRef>
+            <a:fillRef idx="1">
+              <a:schemeClr val="accent1"/>
+            </a:fillRef>
+            <a:effectRef idx="0">
+              <a:schemeClr val="accent1"/>
+            </a:effectRef>
+            <a:fontRef idx="minor">
+              <a:schemeClr val="lt1"/>
+            </a:fontRef>
+          </p:style>
+          <p:txBody>
+            <a:bodyPr rtlCol="0" anchor="ctr"/>
+            <a:lstStyle/>
+            <a:p>
+              <a:pPr algn="ctr"/>
+              <a:endParaRPr lang="en-US"/>
+            </a:p>
+          </p:txBody>
+        </p:sp>
+      </p:grpSp>
+    </p:spTree>
+    <p:extLst>
+      <p:ext uri="{BB962C8B-B14F-4D97-AF65-F5344CB8AC3E}">
+        <p14:creationId xmlns:p14="http://schemas.microsoft.com/office/powerpoint/2010/main" val="231432628"/>
+      </p:ext>
+    </p:extLst>
+  </p:cSld>
+  <p:clrMapOvr>
+    <a:masterClrMapping/>
+  </p:clrMapOvr>
+  <p:timing>
+    <p:tnLst>
+      <p:par>
+        <p:cTn id="1" dur="indefinite" restart="never" nodeType="tmRoot"/>
+      </p:par>
+    </p:tnLst>
+  </p:timing>
+</p:sld>
+</file>
+
+<file path=ppt/slides/slide7.xml><?xml version="1.0" encoding="utf-8"?>
+<p:sld xmlns:a="http://schemas.openxmlformats.org/drawingml/2006/main" xmlns:r="http://schemas.openxmlformats.org/officeDocument/2006/relationships" xmlns:p="http://schemas.openxmlformats.org/presentationml/2006/main">
+  <p:cSld>
+    <p:spTree>
+      <p:nvGrpSpPr>
+        <p:cNvPr id="1" name=""/>
+        <p:cNvGrpSpPr/>
+        <p:nvPr/>
+      </p:nvGrpSpPr>
+      <p:grpSpPr>
+        <a:xfrm>
+          <a:off x="0" y="0"/>
+          <a:ext cx="0" cy="0"/>
+          <a:chOff x="0" y="0"/>
+          <a:chExt cx="0" cy="0"/>
+        </a:xfrm>
+      </p:grpSpPr>
+      <p:sp>
+        <p:nvSpPr>
+          <p:cNvPr id="4" name="Oval 3"/>
+          <p:cNvSpPr/>
+          <p:nvPr/>
+        </p:nvSpPr>
+        <p:spPr>
+          <a:xfrm>
+            <a:off x="0" y="0"/>
+            <a:ext cx="4572000" cy="4572000"/>
+          </a:xfrm>
+          <a:prstGeom prst="ellipse">
+            <a:avLst/>
+          </a:prstGeom>
+          <a:solidFill>
+            <a:srgbClr val="000064"/>
+          </a:solidFill>
+          <a:ln>
+            <a:noFill/>
+          </a:ln>
+        </p:spPr>
+        <p:style>
+          <a:lnRef idx="2">
+            <a:schemeClr val="accent1">
+              <a:shade val="50000"/>
+            </a:schemeClr>
+          </a:lnRef>
+          <a:fillRef idx="1">
+            <a:schemeClr val="accent1"/>
+          </a:fillRef>
+          <a:effectRef idx="0">
+            <a:schemeClr val="accent1"/>
+          </a:effectRef>
+          <a:fontRef idx="minor">
+            <a:schemeClr val="lt1"/>
+          </a:fontRef>
+        </p:style>
+        <p:txBody>
+          <a:bodyPr rtlCol="0" anchor="ctr"/>
+          <a:lstStyle/>
+          <a:p>
+            <a:pPr algn="ctr"/>
+            <a:endParaRPr lang="en-US"/>
+          </a:p>
+        </p:txBody>
+      </p:sp>
+    </p:spTree>
+    <p:extLst>
+      <p:ext uri="{BB962C8B-B14F-4D97-AF65-F5344CB8AC3E}">
+        <p14:creationId xmlns:p14="http://schemas.microsoft.com/office/powerpoint/2010/main" val="2544371399"/>
+      </p:ext>
+    </p:extLst>
+  </p:cSld>
+  <p:clrMapOvr>
+    <a:masterClrMapping/>
+  </p:clrMapOvr>
+  <p:timing>
+    <p:tnLst>
+      <p:par>
+        <p:cTn id="1" dur="indefinite" restart="never" nodeType="tmRoot"/>
+      </p:par>
+    </p:tnLst>
+  </p:timing>
 </p:sld>
 </file>
 
